--- a/02. Data Binding and MVVM/2. Data Binding and MVVM.pptx
+++ b/02. Data Binding and MVVM/2. Data Binding and MVVM.pptx
@@ -228,7 +228,7 @@
           <a:p>
             <a:fld id="{94239FBE-FC08-4336-9B53-CDE8BC5ED33D}" type="datetimeFigureOut">
               <a:rPr lang="ru-RU" smtClean="0"/>
-              <a:t>03.12.2015</a:t>
+              <a:t>06.12.2015</a:t>
             </a:fld>
             <a:endParaRPr lang="ru-RU"/>
           </a:p>
@@ -393,7 +393,7 @@
           <a:p>
             <a:fld id="{135EBF37-D0C5-4B7C-9D35-9D2E20CA27EC}" type="datetimeFigureOut">
               <a:rPr lang="ru-RU" smtClean="0"/>
-              <a:t>03.12.2015</a:t>
+              <a:t>06.12.2015</a:t>
             </a:fld>
             <a:endParaRPr lang="ru-RU"/>
           </a:p>
@@ -816,7 +816,7 @@
                 </a:solidFill>
               </a:rPr>
               <a:pPr/>
-              <a:t>12/3/2015 11:39 AM</a:t>
+              <a:t>12/6/2015 11:58 AM</a:t>
             </a:fld>
             <a:endParaRPr lang="en-US" dirty="0">
               <a:solidFill>
@@ -1292,7 +1292,7 @@
                   <a:spcPct val="0"/>
                 </a:spcAft>
               </a:pPr>
-              <a:t>12/3/2015 11:39 AM</a:t>
+              <a:t>12/6/2015 11:58 AM</a:t>
             </a:fld>
             <a:endParaRPr lang="en-US"/>
           </a:p>
@@ -10071,7 +10071,7 @@
             <a:fld id="{B9E0730F-B7E3-6A47-BE8A-187D77555B7C}" type="datetimeFigureOut">
               <a:rPr lang="en-US" smtClean="0"/>
               <a:pPr/>
-              <a:t>12/3/2015</a:t>
+              <a:t>12/6/2015</a:t>
             </a:fld>
             <a:endParaRPr lang="en-US"/>
           </a:p>
@@ -27205,7 +27205,11 @@
             </a:pPr>
             <a:r>
               <a:rPr lang="ru-RU" sz="4000" dirty="0" smtClean="0"/>
-              <a:t>Разработка универсальных приложений на платформе </a:t>
+              <a:t>Введение в разработку </a:t>
+            </a:r>
+            <a:r>
+              <a:rPr lang="ru-RU" sz="4000" dirty="0" smtClean="0"/>
+              <a:t>универсальных приложений на платформе </a:t>
             </a:r>
             <a:r>
               <a:rPr lang="en-US" sz="4000" dirty="0" smtClean="0"/>
@@ -27215,18 +27219,18 @@
               <a:rPr lang="en-US" sz="4000" dirty="0" smtClean="0"/>
             </a:br>
             <a:r>
-              <a:rPr lang="ru-RU" sz="4000" dirty="0" smtClean="0"/>
+              <a:rPr lang="ru-RU" sz="4000" smtClean="0"/>
               <a:t/>
             </a:r>
             <a:br>
-              <a:rPr lang="ru-RU" sz="4000" dirty="0" smtClean="0"/>
+              <a:rPr lang="ru-RU" sz="4000" smtClean="0"/>
             </a:br>
             <a:r>
-              <a:rPr lang="ru-RU" sz="4000" dirty="0" smtClean="0"/>
-              <a:t>Часть </a:t>
-            </a:r>
-            <a:r>
-              <a:rPr lang="en-US" sz="4000" dirty="0"/>
+              <a:rPr lang="ru-RU" sz="4000" smtClean="0"/>
+              <a:t>Модуль </a:t>
+            </a:r>
+            <a:r>
+              <a:rPr lang="en-US" sz="4000" smtClean="0"/>
               <a:t>2</a:t>
             </a:r>
             <a:r>
@@ -27388,11 +27392,7 @@
           <a:p>
             <a:r>
               <a:rPr lang="en-US" dirty="0" smtClean="0"/>
-              <a:t>DEMO </a:t>
-            </a:r>
-            <a:r>
-              <a:rPr lang="en-US" dirty="0" smtClean="0"/>
-              <a:t>0</a:t>
+              <a:t>DEMO 0</a:t>
             </a:r>
             <a:r>
               <a:rPr lang="en-US" dirty="0"/>
@@ -27401,10 +27401,6 @@
             <a:r>
               <a:rPr lang="en-US" dirty="0" smtClean="0"/>
               <a:t>:</a:t>
-            </a:r>
-            <a:r>
-              <a:rPr lang="en-US" dirty="0" smtClean="0"/>
-              <a:t/>
             </a:r>
             <a:br>
               <a:rPr lang="en-US" dirty="0" smtClean="0"/>
@@ -32230,11 +32226,7 @@
           <a:p>
             <a:r>
               <a:rPr lang="en-US" dirty="0" smtClean="0"/>
-              <a:t>DEMO </a:t>
-            </a:r>
-            <a:r>
-              <a:rPr lang="en-US" dirty="0" smtClean="0"/>
-              <a:t>0</a:t>
+              <a:t>DEMO 0</a:t>
             </a:r>
             <a:r>
               <a:rPr lang="ru-RU" dirty="0"/>
@@ -32243,10 +32235,6 @@
             <a:r>
               <a:rPr lang="en-US" dirty="0" smtClean="0"/>
               <a:t>:</a:t>
-            </a:r>
-            <a:r>
-              <a:rPr lang="en-US" dirty="0" smtClean="0"/>
-              <a:t/>
             </a:r>
             <a:br>
               <a:rPr lang="en-US" dirty="0" smtClean="0"/>
@@ -32552,11 +32540,7 @@
           <a:p>
             <a:r>
               <a:rPr lang="en-US" dirty="0" smtClean="0"/>
-              <a:t>DEMO </a:t>
-            </a:r>
-            <a:r>
-              <a:rPr lang="en-US" dirty="0" smtClean="0"/>
-              <a:t>0</a:t>
+              <a:t>DEMO 0</a:t>
             </a:r>
             <a:r>
               <a:rPr lang="ru-RU" dirty="0"/>
@@ -32565,10 +32549,6 @@
             <a:r>
               <a:rPr lang="en-US" dirty="0" smtClean="0"/>
               <a:t>:</a:t>
-            </a:r>
-            <a:r>
-              <a:rPr lang="en-US" dirty="0" smtClean="0"/>
-              <a:t/>
             </a:r>
             <a:br>
               <a:rPr lang="en-US" dirty="0" smtClean="0"/>
@@ -34691,11 +34671,7 @@
           <a:p>
             <a:r>
               <a:rPr lang="en-US" dirty="0" smtClean="0"/>
-              <a:t>DEMO </a:t>
-            </a:r>
-            <a:r>
-              <a:rPr lang="en-US" dirty="0" smtClean="0"/>
-              <a:t>0</a:t>
+              <a:t>DEMO 0</a:t>
             </a:r>
             <a:r>
               <a:rPr lang="en-US" dirty="0"/>
@@ -34704,10 +34680,6 @@
             <a:r>
               <a:rPr lang="en-US" dirty="0" smtClean="0"/>
               <a:t>:</a:t>
-            </a:r>
-            <a:r>
-              <a:rPr lang="en-US" dirty="0" smtClean="0"/>
-              <a:t/>
             </a:r>
             <a:br>
               <a:rPr lang="en-US" dirty="0" smtClean="0"/>
@@ -35737,11 +35709,11 @@
   <p:clrMapOvr>
     <a:masterClrMapping/>
   </p:clrMapOvr>
-  <mc:AlternateContent xmlns:mc="http://schemas.openxmlformats.org/markup-compatibility/2006">
-    <mc:Choice xmlns:p14="http://schemas.microsoft.com/office/powerpoint/2010/main" Requires="p14">
+  <mc:AlternateContent xmlns:mc="http://schemas.openxmlformats.org/markup-compatibility/2006" xmlns:p14="http://schemas.microsoft.com/office/powerpoint/2010/main">
+    <mc:Choice Requires="p14">
       <p:transition spd="slow" p14:dur="2000"/>
     </mc:Choice>
-    <mc:Fallback>
+    <mc:Fallback xmlns="">
       <p:transition spd="slow"/>
     </mc:Fallback>
   </mc:AlternateContent>
@@ -37700,11 +37672,11 @@
   <p:clrMapOvr>
     <a:masterClrMapping/>
   </p:clrMapOvr>
-  <mc:AlternateContent xmlns:mc="http://schemas.openxmlformats.org/markup-compatibility/2006">
-    <mc:Choice xmlns:p14="http://schemas.microsoft.com/office/powerpoint/2010/main" Requires="p14">
+  <mc:AlternateContent xmlns:mc="http://schemas.openxmlformats.org/markup-compatibility/2006" xmlns:p14="http://schemas.microsoft.com/office/powerpoint/2010/main">
+    <mc:Choice Requires="p14">
       <p:transition spd="slow" p14:dur="2000"/>
     </mc:Choice>
-    <mc:Fallback>
+    <mc:Fallback xmlns="">
       <p:transition spd="slow"/>
     </mc:Fallback>
   </mc:AlternateContent>
@@ -37836,11 +37808,7 @@
           <a:p>
             <a:r>
               <a:rPr lang="en-US" dirty="0" smtClean="0"/>
-              <a:t>DEMO </a:t>
-            </a:r>
-            <a:r>
-              <a:rPr lang="en-US" dirty="0" smtClean="0"/>
-              <a:t>0</a:t>
+              <a:t>DEMO 0</a:t>
             </a:r>
             <a:r>
               <a:rPr lang="ru-RU" dirty="0" smtClean="0"/>
@@ -37849,21 +37817,13 @@
             <a:r>
               <a:rPr lang="en-US" dirty="0" smtClean="0"/>
               <a:t>:</a:t>
-            </a:r>
-            <a:r>
-              <a:rPr lang="en-US" dirty="0" smtClean="0"/>
-              <a:t/>
             </a:r>
             <a:br>
               <a:rPr lang="en-US" dirty="0" smtClean="0"/>
             </a:br>
             <a:r>
               <a:rPr lang="ru-RU" dirty="0" smtClean="0"/>
-              <a:t>С</a:t>
-            </a:r>
-            <a:r>
-              <a:rPr lang="ru-RU" dirty="0" smtClean="0"/>
-              <a:t>ортировка с </a:t>
+              <a:t>Сортировка с </a:t>
             </a:r>
             <a:r>
               <a:rPr lang="en-US" dirty="0" err="1" smtClean="0"/>
@@ -41375,12 +41335,6 @@
 </file>
 
 <file path=customXml/item2.xml><?xml version="1.0" encoding="utf-8"?>
-<p:properties xmlns:p="http://schemas.microsoft.com/office/2006/metadata/properties" xmlns:xsi="http://www.w3.org/2001/XMLSchema-instance" xmlns:pc="http://schemas.microsoft.com/office/infopath/2007/PartnerControls">
-  <documentManagement/>
-</p:properties>
-</file>
-
-<file path=customXml/item3.xml><?xml version="1.0" encoding="utf-8"?>
 <ct:contentTypeSchema xmlns:ct="http://schemas.microsoft.com/office/2006/metadata/contentType" xmlns:ma="http://schemas.microsoft.com/office/2006/metadata/properties/metaAttributes" ct:_="" ma:_="" ma:contentTypeName="Document" ma:contentTypeID="0x01010076BDC9AB8D85574E92B3FF85DD8EEE9A" ma:contentTypeVersion="0" ma:contentTypeDescription="Create a new document." ma:contentTypeScope="" ma:versionID="ddc91d68531740eb4ffac8dfd0ac3039">
   <xsd:schema xmlns:xsd="http://www.w3.org/2001/XMLSchema" xmlns:xs="http://www.w3.org/2001/XMLSchema" xmlns:p="http://schemas.microsoft.com/office/2006/metadata/properties" targetNamespace="http://schemas.microsoft.com/office/2006/metadata/properties" ma:root="true" ma:fieldsID="595fb8ec1e0e1cfd5b45b077016c9ed3">
     <xsd:element name="properties">
@@ -41494,6 +41448,12 @@
 </ct:contentTypeSchema>
 </file>
 
+<file path=customXml/item3.xml><?xml version="1.0" encoding="utf-8"?>
+<p:properties xmlns:p="http://schemas.microsoft.com/office/2006/metadata/properties" xmlns:xsi="http://www.w3.org/2001/XMLSchema-instance" xmlns:pc="http://schemas.microsoft.com/office/infopath/2007/PartnerControls">
+  <documentManagement/>
+</p:properties>
+</file>
+
 <file path=customXml/itemProps1.xml><?xml version="1.0" encoding="utf-8"?>
 <ds:datastoreItem xmlns:ds="http://schemas.openxmlformats.org/officeDocument/2006/customXml" ds:itemID="{1C1284F2-D5A2-482D-9283-38905BD416F7}">
   <ds:schemaRefs>
@@ -41503,21 +41463,6 @@
 </file>
 
 <file path=customXml/itemProps2.xml><?xml version="1.0" encoding="utf-8"?>
-<ds:datastoreItem xmlns:ds="http://schemas.openxmlformats.org/officeDocument/2006/customXml" ds:itemID="{136497CF-FFDF-4FDB-8278-A4E189869E9B}">
-  <ds:schemaRefs>
-    <ds:schemaRef ds:uri="http://schemas.microsoft.com/office/2006/metadata/properties"/>
-    <ds:schemaRef ds:uri="http://purl.org/dc/terms/"/>
-    <ds:schemaRef ds:uri="http://schemas.openxmlformats.org/package/2006/metadata/core-properties"/>
-    <ds:schemaRef ds:uri="http://schemas.microsoft.com/office/2006/documentManagement/types"/>
-    <ds:schemaRef ds:uri="http://purl.org/dc/dcmitype/"/>
-    <ds:schemaRef ds:uri="http://schemas.microsoft.com/office/infopath/2007/PartnerControls"/>
-    <ds:schemaRef ds:uri="http://purl.org/dc/elements/1.1/"/>
-    <ds:schemaRef ds:uri="http://www.w3.org/XML/1998/namespace"/>
-  </ds:schemaRefs>
-</ds:datastoreItem>
-</file>
-
-<file path=customXml/itemProps3.xml><?xml version="1.0" encoding="utf-8"?>
 <ds:datastoreItem xmlns:ds="http://schemas.openxmlformats.org/officeDocument/2006/customXml" ds:itemID="{53B502EA-CC61-4C3A-9239-E889C59E2245}">
   <ds:schemaRefs>
     <ds:schemaRef ds:uri="http://schemas.microsoft.com/office/2006/metadata/contentType"/>
@@ -41531,4 +41476,19 @@
     <ds:schemaRef ds:uri="http://schemas.microsoft.com/office/infopath/2007/PartnerControls"/>
   </ds:schemaRefs>
 </ds:datastoreItem>
+</file>
+
+<file path=customXml/itemProps3.xml><?xml version="1.0" encoding="utf-8"?>
+<ds:datastoreItem xmlns:ds="http://schemas.openxmlformats.org/officeDocument/2006/customXml" ds:itemID="{136497CF-FFDF-4FDB-8278-A4E189869E9B}">
+  <ds:schemaRefs>
+    <ds:schemaRef ds:uri="http://schemas.microsoft.com/office/2006/metadata/properties"/>
+    <ds:schemaRef ds:uri="http://purl.org/dc/terms/"/>
+    <ds:schemaRef ds:uri="http://schemas.openxmlformats.org/package/2006/metadata/core-properties"/>
+    <ds:schemaRef ds:uri="http://schemas.microsoft.com/office/2006/documentManagement/types"/>
+    <ds:schemaRef ds:uri="http://purl.org/dc/dcmitype/"/>
+    <ds:schemaRef ds:uri="http://schemas.microsoft.com/office/infopath/2007/PartnerControls"/>
+    <ds:schemaRef ds:uri="http://purl.org/dc/elements/1.1/"/>
+    <ds:schemaRef ds:uri="http://www.w3.org/XML/1998/namespace"/>
+  </ds:schemaRefs>
+</ds:datastoreItem>
 </file>
--- a/02. Data Binding and MVVM/2. Data Binding and MVVM.pptx
+++ b/02. Data Binding and MVVM/2. Data Binding and MVVM.pptx
@@ -816,7 +816,7 @@
                 </a:solidFill>
               </a:rPr>
               <a:pPr/>
-              <a:t>12/6/2015 11:58 AM</a:t>
+              <a:t>12/6/2015 11:19 PM</a:t>
             </a:fld>
             <a:endParaRPr lang="en-US" dirty="0">
               <a:solidFill>
@@ -1292,7 +1292,7 @@
                   <a:spcPct val="0"/>
                 </a:spcAft>
               </a:pPr>
-              <a:t>12/6/2015 11:58 AM</a:t>
+              <a:t>12/6/2015 11:19 PM</a:t>
             </a:fld>
             <a:endParaRPr lang="en-US"/>
           </a:p>
@@ -27205,11 +27205,7 @@
             </a:pPr>
             <a:r>
               <a:rPr lang="ru-RU" sz="4000" dirty="0" smtClean="0"/>
-              <a:t>Введение в разработку </a:t>
-            </a:r>
-            <a:r>
-              <a:rPr lang="ru-RU" sz="4000" dirty="0" smtClean="0"/>
-              <a:t>универсальных приложений на платформе </a:t>
+              <a:t>Введение в разработку универсальных приложений на платформе </a:t>
             </a:r>
             <a:r>
               <a:rPr lang="en-US" sz="4000" dirty="0" smtClean="0"/>
@@ -33800,7 +33796,12 @@
             <p:ph idx="1"/>
           </p:nvPr>
         </p:nvSpPr>
-        <p:spPr/>
+        <p:spPr>
+          <a:xfrm>
+            <a:off x="1056000" y="1449000"/>
+            <a:ext cx="6300000" cy="3420000"/>
+          </a:xfrm>
+        </p:spPr>
         <p:txBody>
           <a:bodyPr/>
           <a:lstStyle/>
@@ -33809,7 +33810,9 @@
               <a:buNone/>
             </a:pPr>
             <a:r>
-              <a:rPr lang="ru-RU" dirty="0" smtClean="0"/>
+              <a:rPr lang="ru-RU" dirty="0" smtClean="0">
+                <a:latin typeface="+mj-lt"/>
+              </a:rPr>
               <a:t>Задача: показать процесс сортировки таблицы с данными</a:t>
             </a:r>
           </a:p>
@@ -33818,15 +33821,21 @@
               <a:buNone/>
             </a:pPr>
             <a:r>
-              <a:rPr lang="ru-RU" dirty="0" smtClean="0"/>
+              <a:rPr lang="ru-RU" dirty="0" smtClean="0">
+                <a:latin typeface="+mj-lt"/>
+              </a:rPr>
               <a:t>Данные: </a:t>
             </a:r>
             <a:r>
-              <a:rPr lang="en-US" dirty="0" err="1" smtClean="0"/>
+              <a:rPr lang="en-US" dirty="0" err="1" smtClean="0">
+                <a:latin typeface="+mj-lt"/>
+              </a:rPr>
               <a:t>int</a:t>
             </a:r>
             <a:r>
-              <a:rPr lang="en-US" dirty="0" smtClean="0"/>
+              <a:rPr lang="en-US" dirty="0" smtClean="0">
+                <a:latin typeface="+mj-lt"/>
+              </a:rPr>
               <a:t> [50]</a:t>
             </a:r>
           </a:p>
@@ -33835,22 +33844,66 @@
               <a:buNone/>
             </a:pPr>
             <a:r>
-              <a:rPr lang="ru-RU" dirty="0" smtClean="0"/>
+              <a:rPr lang="ru-RU" dirty="0" smtClean="0">
+                <a:latin typeface="+mj-lt"/>
+              </a:rPr>
               <a:t>Для отображения последовательности элементов используется </a:t>
             </a:r>
             <a:r>
-              <a:rPr lang="en-US" dirty="0" smtClean="0"/>
+              <a:rPr lang="en-US" dirty="0" smtClean="0">
+                <a:latin typeface="+mj-lt"/>
+              </a:rPr>
               <a:t>&lt;</a:t>
             </a:r>
             <a:r>
-              <a:rPr lang="en-US" dirty="0" err="1" smtClean="0"/>
+              <a:rPr lang="en-US" dirty="0" err="1" smtClean="0">
+                <a:latin typeface="+mj-lt"/>
+              </a:rPr>
               <a:t>ItemsControl</a:t>
             </a:r>
             <a:r>
-              <a:rPr lang="en-US" dirty="0" smtClean="0"/>
+              <a:rPr lang="en-US" dirty="0" smtClean="0">
+                <a:latin typeface="+mj-lt"/>
+              </a:rPr>
               <a:t>&gt;</a:t>
             </a:r>
-            <a:endParaRPr lang="ru-RU" dirty="0"/>
+            <a:endParaRPr lang="ru-RU" dirty="0">
+              <a:latin typeface="+mj-lt"/>
+            </a:endParaRPr>
+          </a:p>
+        </p:txBody>
+      </p:sp>
+      <p:sp>
+        <p:nvSpPr>
+          <p:cNvPr id="6" name="TextBox 5"/>
+          <p:cNvSpPr txBox="1"/>
+          <p:nvPr/>
+        </p:nvSpPr>
+        <p:spPr>
+          <a:xfrm>
+            <a:off x="1056000" y="4886848"/>
+            <a:ext cx="5760000" cy="1200329"/>
+          </a:xfrm>
+          <a:prstGeom prst="rect">
+            <a:avLst/>
+          </a:prstGeom>
+          <a:noFill/>
+        </p:spPr>
+        <p:txBody>
+          <a:bodyPr wrap="square" rtlCol="0">
+            <a:spAutoFit/>
+          </a:bodyPr>
+          <a:lstStyle/>
+          <a:p>
+            <a:r>
+              <a:rPr lang="ru-RU" sz="2400" i="1" dirty="0" smtClean="0">
+                <a:latin typeface="+mj-lt"/>
+              </a:rPr>
+              <a:t>Возможно, вы захотите сами попробовать решить эту задачу прежде, чем смотреть дальше…</a:t>
+            </a:r>
+            <a:endParaRPr lang="ru-RU" sz="2400" i="1" dirty="0">
+              <a:latin typeface="+mj-lt"/>
+            </a:endParaRPr>
           </a:p>
         </p:txBody>
       </p:sp>
@@ -41326,15 +41379,6 @@
 </file>
 
 <file path=customXml/item1.xml><?xml version="1.0" encoding="utf-8"?>
-<?mso-contentType ?>
-<FormTemplates xmlns="http://schemas.microsoft.com/sharepoint/v3/contenttype/forms">
-  <Display>DocumentLibraryForm</Display>
-  <Edit>DocumentLibraryForm</Edit>
-  <New>DocumentLibraryForm</New>
-</FormTemplates>
-</file>
-
-<file path=customXml/item2.xml><?xml version="1.0" encoding="utf-8"?>
 <ct:contentTypeSchema xmlns:ct="http://schemas.microsoft.com/office/2006/metadata/contentType" xmlns:ma="http://schemas.microsoft.com/office/2006/metadata/properties/metaAttributes" ct:_="" ma:_="" ma:contentTypeName="Document" ma:contentTypeID="0x01010076BDC9AB8D85574E92B3FF85DD8EEE9A" ma:contentTypeVersion="0" ma:contentTypeDescription="Create a new document." ma:contentTypeScope="" ma:versionID="ddc91d68531740eb4ffac8dfd0ac3039">
   <xsd:schema xmlns:xsd="http://www.w3.org/2001/XMLSchema" xmlns:xs="http://www.w3.org/2001/XMLSchema" xmlns:p="http://schemas.microsoft.com/office/2006/metadata/properties" targetNamespace="http://schemas.microsoft.com/office/2006/metadata/properties" ma:root="true" ma:fieldsID="595fb8ec1e0e1cfd5b45b077016c9ed3">
     <xsd:element name="properties">
@@ -41448,6 +41492,15 @@
 </ct:contentTypeSchema>
 </file>
 
+<file path=customXml/item2.xml><?xml version="1.0" encoding="utf-8"?>
+<?mso-contentType ?>
+<FormTemplates xmlns="http://schemas.microsoft.com/sharepoint/v3/contenttype/forms">
+  <Display>DocumentLibraryForm</Display>
+  <Edit>DocumentLibraryForm</Edit>
+  <New>DocumentLibraryForm</New>
+</FormTemplates>
+</file>
+
 <file path=customXml/item3.xml><?xml version="1.0" encoding="utf-8"?>
 <p:properties xmlns:p="http://schemas.microsoft.com/office/2006/metadata/properties" xmlns:xsi="http://www.w3.org/2001/XMLSchema-instance" xmlns:pc="http://schemas.microsoft.com/office/infopath/2007/PartnerControls">
   <documentManagement/>
@@ -41455,14 +41508,6 @@
 </file>
 
 <file path=customXml/itemProps1.xml><?xml version="1.0" encoding="utf-8"?>
-<ds:datastoreItem xmlns:ds="http://schemas.openxmlformats.org/officeDocument/2006/customXml" ds:itemID="{1C1284F2-D5A2-482D-9283-38905BD416F7}">
-  <ds:schemaRefs>
-    <ds:schemaRef ds:uri="http://schemas.microsoft.com/sharepoint/v3/contenttype/forms"/>
-  </ds:schemaRefs>
-</ds:datastoreItem>
-</file>
-
-<file path=customXml/itemProps2.xml><?xml version="1.0" encoding="utf-8"?>
 <ds:datastoreItem xmlns:ds="http://schemas.openxmlformats.org/officeDocument/2006/customXml" ds:itemID="{53B502EA-CC61-4C3A-9239-E889C59E2245}">
   <ds:schemaRefs>
     <ds:schemaRef ds:uri="http://schemas.microsoft.com/office/2006/metadata/contentType"/>
@@ -41474,6 +41519,14 @@
     <ds:schemaRef ds:uri="http://purl.org/dc/terms/"/>
     <ds:schemaRef ds:uri="http://schemas.microsoft.com/internal/obd"/>
     <ds:schemaRef ds:uri="http://schemas.microsoft.com/office/infopath/2007/PartnerControls"/>
+  </ds:schemaRefs>
+</ds:datastoreItem>
+</file>
+
+<file path=customXml/itemProps2.xml><?xml version="1.0" encoding="utf-8"?>
+<ds:datastoreItem xmlns:ds="http://schemas.openxmlformats.org/officeDocument/2006/customXml" ds:itemID="{1C1284F2-D5A2-482D-9283-38905BD416F7}">
+  <ds:schemaRefs>
+    <ds:schemaRef ds:uri="http://schemas.microsoft.com/sharepoint/v3/contenttype/forms"/>
   </ds:schemaRefs>
 </ds:datastoreItem>
 </file>
